--- a/TP1-questions.pptx
+++ b/TP1-questions.pptx
@@ -202,7 +202,7 @@
           <a:p>
             <a:fld id="{F7F2F2DA-CBF1-43B0-8CEB-6A49F8B3EB53}" type="datetimeFigureOut">
               <a:rPr lang="fr-FR" smtClean="0"/>
-              <a:t>25/11/2024</a:t>
+              <a:t>27/11/2024</a:t>
             </a:fld>
             <a:endParaRPr lang="fr-FR"/>
           </a:p>
@@ -50715,15 +50715,7 @@
           <a:p>
             <a:r>
               <a:rPr lang="fr-FR" dirty="0" smtClean="0"/>
-              <a:t>Questions </a:t>
-            </a:r>
-            <a:r>
-              <a:rPr lang="fr-FR" dirty="0" smtClean="0"/>
-              <a:t>TP1 </a:t>
-            </a:r>
-            <a:r>
-              <a:rPr lang="fr-FR" dirty="0" smtClean="0"/>
-              <a:t>- </a:t>
+              <a:t>Questions TP1 - </a:t>
             </a:r>
             <a:r>
               <a:rPr lang="fr-FR" dirty="0" err="1" smtClean="0"/>
@@ -50845,7 +50837,6 @@
               <a:rPr lang="fr-FR" dirty="0" smtClean="0"/>
               <a:t> ?</a:t>
             </a:r>
-            <a:endParaRPr lang="fr-FR" dirty="0" smtClean="0"/>
           </a:p>
           <a:p>
             <a:pPr marL="342900" indent="-342900">
@@ -50923,11 +50914,7 @@
             </a:pPr>
             <a:r>
               <a:rPr lang="fr-FR" dirty="0" smtClean="0"/>
-              <a:t>Pourquo</a:t>
-            </a:r>
-            <a:r>
-              <a:rPr lang="fr-FR" dirty="0" smtClean="0"/>
-              <a:t>i créer une nouvelle « </a:t>
+              <a:t>Pourquoi créer une nouvelle « </a:t>
             </a:r>
             <a:r>
               <a:rPr lang="fr-FR" dirty="0" err="1" smtClean="0"/>
@@ -51257,32 +51244,6 @@
               <a:buNone/>
             </a:pPr>
             <a:endParaRPr lang="fr-FR" dirty="0"/>
-          </a:p>
-          <a:p>
-            <a:pPr marL="0" indent="0">
-              <a:buNone/>
-            </a:pPr>
-            <a:r>
-              <a:rPr lang="fr-FR" sz="1200" dirty="0">
-                <a:solidFill>
-                  <a:srgbClr val="00B050"/>
-                </a:solidFill>
-              </a:rPr>
-              <a:t>Bien joué! regarder l'historique des commit permets souvent de trouver des secrets (clé privée, MDP etc</a:t>
-            </a:r>
-            <a:r>
-              <a:rPr lang="fr-FR" sz="1200" dirty="0" smtClean="0">
-                <a:solidFill>
-                  <a:srgbClr val="00B050"/>
-                </a:solidFill>
-              </a:rPr>
-              <a:t>…) </a:t>
-            </a:r>
-            <a:endParaRPr lang="fr-FR" sz="1200" dirty="0">
-              <a:solidFill>
-                <a:srgbClr val="00B050"/>
-              </a:solidFill>
-            </a:endParaRPr>
           </a:p>
           <a:p>
             <a:pPr marL="0" indent="0">
